--- a/1907045 - Copy.pptx
+++ b/1907045 - Copy.pptx
@@ -2980,7 +2980,7 @@
         </p:nvSpPr>
         <p:spPr>
           <a:xfrm>
-            <a:off x="405686" y="2079190"/>
+            <a:off x="405686" y="2279244"/>
             <a:ext cx="6452314" cy="1323439"/>
           </a:xfrm>
           <a:prstGeom prst="rect">
@@ -3009,7 +3009,7 @@
         </p:nvSpPr>
         <p:spPr>
           <a:xfrm>
-            <a:off x="405686" y="214898"/>
+            <a:off x="405686" y="470954"/>
             <a:ext cx="4935748" cy="1015663"/>
           </a:xfrm>
           <a:prstGeom prst="rect">
@@ -3175,7 +3175,7 @@
         </p:nvCxnSpPr>
         <p:spPr>
           <a:xfrm flipV="1">
-            <a:off x="470885" y="1667714"/>
+            <a:off x="470885" y="1765361"/>
             <a:ext cx="1035944" cy="12"/>
           </a:xfrm>
           <a:prstGeom prst="line">
@@ -3211,7 +3211,7 @@
         <p:spPr>
           <a:xfrm>
             <a:off x="470885" y="6177001"/>
-            <a:ext cx="6201177" cy="1927451"/>
+            <a:ext cx="6201177" cy="2785378"/>
           </a:xfrm>
           <a:prstGeom prst="rect">
             <a:avLst/>
@@ -3232,10 +3232,36 @@
               <a:rPr lang="en-US" sz="2000" dirty="0"/>
               <a:t>Special Group Interested in Programming Contest(SGIPC)	</a:t>
             </a:r>
+          </a:p>
+          <a:p>
+            <a:r>
+              <a:rPr lang="en-US" sz="2000" dirty="0"/>
+              <a:t>     </a:t>
+            </a:r>
+            <a:r>
+              <a:rPr lang="en-US" dirty="0"/>
+              <a:t>President</a:t>
+            </a:r>
+          </a:p>
+          <a:p>
+            <a:r>
+              <a:rPr lang="en-US" sz="2000" dirty="0"/>
+              <a:t>     </a:t>
+            </a:r>
+            <a:r>
+              <a:rPr lang="en-US" sz="1600" dirty="0"/>
+              <a:t>February 2024 – Current</a:t>
+            </a:r>
+          </a:p>
+          <a:p>
             <a:br>
               <a:rPr lang="en-US" sz="1575" dirty="0"/>
             </a:br>
             <a:r>
+              <a:rPr lang="en-US" sz="1575" dirty="0"/>
+              <a:t>      </a:t>
+            </a:r>
+            <a:r>
               <a:rPr lang="en-US" dirty="0"/>
               <a:t>Batch Representative(19</a:t>
             </a:r>
@@ -3251,11 +3277,11 @@
           <a:p>
             <a:r>
               <a:rPr lang="en-US" sz="1125" dirty="0"/>
-              <a:t>        </a:t>
+              <a:t>         </a:t>
             </a:r>
             <a:r>
               <a:rPr lang="en-US" sz="1600" dirty="0"/>
-              <a:t>February 2023 – Current</a:t>
+              <a:t>February 2023 – January 2023(1 year)</a:t>
             </a:r>
           </a:p>
           <a:p>
@@ -3267,7 +3293,7 @@
           <a:p>
             <a:r>
               <a:rPr lang="en-US" sz="1125" dirty="0"/>
-              <a:t>        </a:t>
+              <a:t>         </a:t>
             </a:r>
             <a:r>
               <a:rPr lang="en-US" dirty="0"/>
@@ -3277,7 +3303,7 @@
           <a:p>
             <a:r>
               <a:rPr lang="en-US" sz="1125" dirty="0"/>
-              <a:t>        </a:t>
+              <a:t>         </a:t>
             </a:r>
             <a:r>
               <a:rPr lang="en-US" sz="1600" dirty="0"/>
@@ -3286,6 +3312,58 @@
           </a:p>
         </p:txBody>
       </p:sp>
+      <p:pic>
+        <p:nvPicPr>
+          <p:cNvPr id="3" name="Picture 2">
+            <a:extLst>
+              <a:ext uri="{FF2B5EF4-FFF2-40B4-BE49-F238E27FC236}">
+                <a16:creationId xmlns:a16="http://schemas.microsoft.com/office/drawing/2014/main" id="{0299F605-432B-0227-0DBE-051E9E89F92C}"/>
+              </a:ext>
+            </a:extLst>
+          </p:cNvPr>
+          <p:cNvPicPr>
+            <a:picLocks noChangeAspect="1"/>
+          </p:cNvPicPr>
+          <p:nvPr/>
+        </p:nvPicPr>
+        <p:blipFill>
+          <a:blip r:embed="rId3" cstate="print">
+            <a:extLst>
+              <a:ext uri="{28A0092B-C50C-407E-A947-70E740481C1C}">
+                <a14:useLocalDpi xmlns:a14="http://schemas.microsoft.com/office/drawing/2010/main" val="0"/>
+              </a:ext>
+            </a:extLst>
+          </a:blip>
+          <a:stretch>
+            <a:fillRect/>
+          </a:stretch>
+        </p:blipFill>
+        <p:spPr>
+          <a:xfrm>
+            <a:off x="4568346" y="141707"/>
+            <a:ext cx="1883968" cy="1741224"/>
+          </a:xfrm>
+          <a:prstGeom prst="ellipse">
+            <a:avLst/>
+          </a:prstGeom>
+          <a:ln w="63500" cap="rnd">
+            <a:noFill/>
+          </a:ln>
+          <a:effectLst/>
+          <a:scene3d>
+            <a:camera prst="orthographicFront"/>
+            <a:lightRig rig="contrasting" dir="t">
+              <a:rot lat="0" lon="0" rev="3000000"/>
+            </a:lightRig>
+          </a:scene3d>
+          <a:sp3d contourW="7620">
+            <a:bevelT w="95250" h="31750"/>
+            <a:contourClr>
+              <a:srgbClr val="333333"/>
+            </a:contourClr>
+          </a:sp3d>
+        </p:spPr>
+      </p:pic>
     </p:spTree>
     <p:extLst>
       <p:ext uri="{BB962C8B-B14F-4D97-AF65-F5344CB8AC3E}">
@@ -3354,7 +3432,7 @@
         <p:spPr>
           <a:xfrm>
             <a:off x="199714" y="2300755"/>
-            <a:ext cx="6285804" cy="1200329"/>
+            <a:ext cx="6340734" cy="1200329"/>
           </a:xfrm>
           <a:prstGeom prst="rect">
             <a:avLst/>
@@ -3474,7 +3552,7 @@
         </p:nvSpPr>
         <p:spPr>
           <a:xfrm>
-            <a:off x="242028" y="5172499"/>
+            <a:off x="261072" y="5726668"/>
             <a:ext cx="2859658" cy="400110"/>
           </a:xfrm>
           <a:prstGeom prst="rect">
@@ -3507,7 +3585,7 @@
         </p:nvSpPr>
         <p:spPr>
           <a:xfrm>
-            <a:off x="328411" y="5508350"/>
+            <a:off x="352113" y="6266864"/>
             <a:ext cx="6285804" cy="369332"/>
           </a:xfrm>
           <a:prstGeom prst="rect">
@@ -3540,7 +3618,7 @@
         </p:nvCxnSpPr>
         <p:spPr>
           <a:xfrm flipV="1">
-            <a:off x="307227" y="4723336"/>
+            <a:off x="328411" y="5449340"/>
             <a:ext cx="1035944" cy="12"/>
           </a:xfrm>
           <a:prstGeom prst="line">
@@ -3575,7 +3653,7 @@
         </p:nvSpPr>
         <p:spPr>
           <a:xfrm>
-            <a:off x="328411" y="5976733"/>
+            <a:off x="352113" y="6690855"/>
             <a:ext cx="6201177" cy="542456"/>
           </a:xfrm>
           <a:prstGeom prst="rect">
@@ -3619,7 +3697,7 @@
         </p:nvSpPr>
         <p:spPr>
           <a:xfrm>
-            <a:off x="339271" y="6514811"/>
+            <a:off x="328411" y="7190817"/>
             <a:ext cx="6201177" cy="369332"/>
           </a:xfrm>
           <a:prstGeom prst="rect">
@@ -3654,6 +3732,114 @@
               <a:t>)</a:t>
             </a:r>
             <a:endParaRPr lang="en-US" sz="1125" dirty="0"/>
+          </a:p>
+        </p:txBody>
+      </p:sp>
+      <p:sp>
+        <p:nvSpPr>
+          <p:cNvPr id="14" name="TextBox 13">
+            <a:extLst>
+              <a:ext uri="{FF2B5EF4-FFF2-40B4-BE49-F238E27FC236}">
+                <a16:creationId xmlns:a16="http://schemas.microsoft.com/office/drawing/2014/main" id="{3A64F5A0-DC7E-424B-9851-C729DE2CEA3D}"/>
+              </a:ext>
+            </a:extLst>
+          </p:cNvPr>
+          <p:cNvSpPr txBox="1"/>
+          <p:nvPr/>
+        </p:nvSpPr>
+        <p:spPr>
+          <a:xfrm>
+            <a:off x="339271" y="7693016"/>
+            <a:ext cx="6201177" cy="542456"/>
+          </a:xfrm>
+          <a:prstGeom prst="rect">
+            <a:avLst/>
+          </a:prstGeom>
+          <a:noFill/>
+        </p:spPr>
+        <p:txBody>
+          <a:bodyPr wrap="square" rtlCol="0">
+            <a:spAutoFit/>
+          </a:bodyPr>
+          <a:lstStyle/>
+          <a:p>
+            <a:pPr marL="257178" indent="-257178">
+              <a:buFont typeface="Calibri" panose="020F0502020204030204" pitchFamily="34" charset="0"/>
+              <a:buChar char="•"/>
+            </a:pPr>
+            <a:r>
+              <a:rPr lang="en-US" dirty="0"/>
+              <a:t>Master in </a:t>
+            </a:r>
+            <a:r>
+              <a:rPr lang="en-US" i="1" dirty="0" err="1"/>
+              <a:t>Codechef</a:t>
+            </a:r>
+            <a:endParaRPr lang="en-US" i="1" dirty="0"/>
+          </a:p>
+          <a:p>
+            <a:r>
+              <a:rPr lang="en-US" sz="1125" dirty="0"/>
+              <a:t>       </a:t>
+            </a:r>
+          </a:p>
+        </p:txBody>
+      </p:sp>
+      <p:sp>
+        <p:nvSpPr>
+          <p:cNvPr id="15" name="TextBox 14">
+            <a:extLst>
+              <a:ext uri="{FF2B5EF4-FFF2-40B4-BE49-F238E27FC236}">
+                <a16:creationId xmlns:a16="http://schemas.microsoft.com/office/drawing/2014/main" id="{15B03C7C-DAC6-29A5-5862-870D37574F00}"/>
+              </a:ext>
+            </a:extLst>
+          </p:cNvPr>
+          <p:cNvSpPr txBox="1"/>
+          <p:nvPr/>
+        </p:nvSpPr>
+        <p:spPr>
+          <a:xfrm>
+            <a:off x="199714" y="4317194"/>
+            <a:ext cx="6201177" cy="646331"/>
+          </a:xfrm>
+          <a:prstGeom prst="rect">
+            <a:avLst/>
+          </a:prstGeom>
+          <a:noFill/>
+        </p:spPr>
+        <p:txBody>
+          <a:bodyPr wrap="square" rtlCol="0">
+            <a:spAutoFit/>
+          </a:bodyPr>
+          <a:lstStyle/>
+          <a:p>
+            <a:pPr marL="257178" indent="-257178">
+              <a:buFont typeface="Calibri" panose="020F0502020204030204" pitchFamily="34" charset="0"/>
+              <a:buChar char="•"/>
+            </a:pPr>
+            <a:r>
+              <a:rPr lang="en-US" dirty="0" err="1"/>
+              <a:t>Galimpur</a:t>
+            </a:r>
+            <a:r>
+              <a:rPr lang="en-US" dirty="0"/>
+              <a:t> </a:t>
+            </a:r>
+            <a:r>
+              <a:rPr lang="en-US" dirty="0" err="1"/>
+              <a:t>Rahmania</a:t>
+            </a:r>
+            <a:r>
+              <a:rPr lang="en-US" dirty="0"/>
+              <a:t> High School	</a:t>
+            </a:r>
+            <a:br>
+              <a:rPr lang="en-US" dirty="0"/>
+            </a:br>
+            <a:r>
+              <a:rPr lang="en-US" dirty="0"/>
+              <a:t>SSC (2017- 2015)</a:t>
+            </a:r>
           </a:p>
         </p:txBody>
       </p:sp>
